--- a/lectures/DJ-05-MVC.pptx
+++ b/lectures/DJ-05-MVC.pptx
@@ -207,7 +207,7 @@
           <a:p>
             <a:fld id="{C97B56FC-7D2E-F343-9D09-0D14B00AA564}" type="datetimeFigureOut">
               <a:rPr lang="en-US" smtClean="0"/>
-              <a:t>9/21/19</a:t>
+              <a:t>9/25/19</a:t>
             </a:fld>
             <a:endParaRPr lang="en-US"/>
           </a:p>
@@ -776,7 +776,7 @@
           <a:p>
             <a:fld id="{EEE7C04C-7AF8-1445-A186-502B631B934F}" type="datetimeFigureOut">
               <a:rPr lang="en-US" smtClean="0"/>
-              <a:t>9/21/19</a:t>
+              <a:t>9/25/19</a:t>
             </a:fld>
             <a:endParaRPr lang="en-US"/>
           </a:p>
@@ -941,7 +941,7 @@
           <a:p>
             <a:fld id="{EEE7C04C-7AF8-1445-A186-502B631B934F}" type="datetimeFigureOut">
               <a:rPr lang="en-US" smtClean="0"/>
-              <a:t>9/21/19</a:t>
+              <a:t>9/25/19</a:t>
             </a:fld>
             <a:endParaRPr lang="en-US"/>
           </a:p>
@@ -1116,7 +1116,7 @@
           <a:p>
             <a:fld id="{EEE7C04C-7AF8-1445-A186-502B631B934F}" type="datetimeFigureOut">
               <a:rPr lang="en-US" smtClean="0"/>
-              <a:t>9/21/19</a:t>
+              <a:t>9/25/19</a:t>
             </a:fld>
             <a:endParaRPr lang="en-US"/>
           </a:p>
@@ -1281,7 +1281,7 @@
           <a:p>
             <a:fld id="{EEE7C04C-7AF8-1445-A186-502B631B934F}" type="datetimeFigureOut">
               <a:rPr lang="en-US" smtClean="0"/>
-              <a:t>9/21/19</a:t>
+              <a:t>9/25/19</a:t>
             </a:fld>
             <a:endParaRPr lang="en-US"/>
           </a:p>
@@ -1522,7 +1522,7 @@
           <a:p>
             <a:fld id="{EEE7C04C-7AF8-1445-A186-502B631B934F}" type="datetimeFigureOut">
               <a:rPr lang="en-US" smtClean="0"/>
-              <a:t>9/21/19</a:t>
+              <a:t>9/25/19</a:t>
             </a:fld>
             <a:endParaRPr lang="en-US"/>
           </a:p>
@@ -1749,7 +1749,7 @@
           <a:p>
             <a:fld id="{EEE7C04C-7AF8-1445-A186-502B631B934F}" type="datetimeFigureOut">
               <a:rPr lang="en-US" smtClean="0"/>
-              <a:t>9/21/19</a:t>
+              <a:t>9/25/19</a:t>
             </a:fld>
             <a:endParaRPr lang="en-US"/>
           </a:p>
@@ -2111,7 +2111,7 @@
           <a:p>
             <a:fld id="{EEE7C04C-7AF8-1445-A186-502B631B934F}" type="datetimeFigureOut">
               <a:rPr lang="en-US" smtClean="0"/>
-              <a:t>9/21/19</a:t>
+              <a:t>9/25/19</a:t>
             </a:fld>
             <a:endParaRPr lang="en-US"/>
           </a:p>
@@ -2224,7 +2224,7 @@
           <a:p>
             <a:fld id="{EEE7C04C-7AF8-1445-A186-502B631B934F}" type="datetimeFigureOut">
               <a:rPr lang="en-US" smtClean="0"/>
-              <a:t>9/21/19</a:t>
+              <a:t>9/25/19</a:t>
             </a:fld>
             <a:endParaRPr lang="en-US"/>
           </a:p>
@@ -2314,7 +2314,7 @@
           <a:p>
             <a:fld id="{EEE7C04C-7AF8-1445-A186-502B631B934F}" type="datetimeFigureOut">
               <a:rPr lang="en-US" smtClean="0"/>
-              <a:t>9/21/19</a:t>
+              <a:t>9/25/19</a:t>
             </a:fld>
             <a:endParaRPr lang="en-US"/>
           </a:p>
@@ -2586,7 +2586,7 @@
           <a:p>
             <a:fld id="{EEE7C04C-7AF8-1445-A186-502B631B934F}" type="datetimeFigureOut">
               <a:rPr lang="en-US" smtClean="0"/>
-              <a:t>9/21/19</a:t>
+              <a:t>9/25/19</a:t>
             </a:fld>
             <a:endParaRPr lang="en-US"/>
           </a:p>
@@ -2838,7 +2838,7 @@
           <a:p>
             <a:fld id="{EEE7C04C-7AF8-1445-A186-502B631B934F}" type="datetimeFigureOut">
               <a:rPr lang="en-US" smtClean="0"/>
-              <a:t>9/21/19</a:t>
+              <a:t>9/25/19</a:t>
             </a:fld>
             <a:endParaRPr lang="en-US"/>
           </a:p>
@@ -3045,7 +3045,7 @@
           <a:p>
             <a:fld id="{EEE7C04C-7AF8-1445-A186-502B631B934F}" type="datetimeFigureOut">
               <a:rPr lang="en-US" smtClean="0"/>
-              <a:t>9/21/19</a:t>
+              <a:t>9/25/19</a:t>
             </a:fld>
             <a:endParaRPr lang="en-US"/>
           </a:p>
@@ -3463,10 +3463,10 @@
           <p:cNvPr id="10" name="Rectangle 9">
             <a:extLst>
               <a:ext uri="{FF2B5EF4-FFF2-40B4-BE49-F238E27FC236}">
-                <a16:creationId xmlns:a16="http://schemas.microsoft.com/office/drawing/2014/main" id="{E20EB187-900F-4AF5-813B-101456D9FD39}"/>
+                <a16:creationId xmlns="" xmlns:a16="http://schemas.microsoft.com/office/drawing/2014/main" id="{E20EB187-900F-4AF5-813B-101456D9FD39}"/>
               </a:ext>
               <a:ext uri="{C183D7F6-B498-43B3-948B-1728B52AA6E4}">
-                <adec:decorative xmlns:adec="http://schemas.microsoft.com/office/drawing/2017/decorative" val="1"/>
+                <adec:decorative xmlns="" xmlns:adec="http://schemas.microsoft.com/office/drawing/2017/decorative" val="1"/>
               </a:ext>
             </a:extLst>
           </p:cNvPr>
@@ -3609,10 +3609,10 @@
           <p:cNvPr id="12" name="Straight Connector 11">
             <a:extLst>
               <a:ext uri="{FF2B5EF4-FFF2-40B4-BE49-F238E27FC236}">
-                <a16:creationId xmlns:a16="http://schemas.microsoft.com/office/drawing/2014/main" id="{624D17C8-E9C2-48A4-AA36-D7048A6CCC41}"/>
+                <a16:creationId xmlns="" xmlns:a16="http://schemas.microsoft.com/office/drawing/2014/main" id="{624D17C8-E9C2-48A4-AA36-D7048A6CCC41}"/>
               </a:ext>
               <a:ext uri="{C183D7F6-B498-43B3-948B-1728B52AA6E4}">
-                <adec:decorative xmlns:adec="http://schemas.microsoft.com/office/drawing/2017/decorative" val="1"/>
+                <adec:decorative xmlns="" xmlns:adec="http://schemas.microsoft.com/office/drawing/2017/decorative" val="1"/>
               </a:ext>
             </a:extLst>
           </p:cNvPr>
@@ -11552,8 +11552,17 @@
             </a:pPr>
             <a:r>
               <a:rPr lang="en-US" altLang="x-none" dirty="0"/>
-              <a:t>Produce the HTML response and send it back to the browser</a:t>
-            </a:r>
+              <a:t>Produce the HTML response and send it back to the </a:t>
+            </a:r>
+            <a:r>
+              <a:rPr lang="en-US" altLang="x-none" dirty="0" smtClean="0"/>
+              <a:t>browser (i.e. </a:t>
+            </a:r>
+            <a:r>
+              <a:rPr lang="en-US" altLang="x-none" smtClean="0"/>
+              <a:t>a template)</a:t>
+            </a:r>
+            <a:endParaRPr lang="en-US" altLang="x-none" dirty="0"/>
           </a:p>
         </p:txBody>
       </p:sp>
@@ -15973,6 +15982,84 @@
           <a:ln w="38100">
             <a:solidFill>
               <a:srgbClr val="FFFF00"/>
+            </a:solidFill>
+            <a:tailEnd type="triangle"/>
+          </a:ln>
+        </p:spPr>
+        <p:style>
+          <a:lnRef idx="1">
+            <a:schemeClr val="accent1"/>
+          </a:lnRef>
+          <a:fillRef idx="0">
+            <a:schemeClr val="accent1"/>
+          </a:fillRef>
+          <a:effectRef idx="0">
+            <a:schemeClr val="accent1"/>
+          </a:effectRef>
+          <a:fontRef idx="minor">
+            <a:schemeClr val="tx1"/>
+          </a:fontRef>
+        </p:style>
+      </p:cxnSp>
+      <p:cxnSp>
+        <p:nvCxnSpPr>
+          <p:cNvPr id="55" name="Straight Arrow Connector 54"/>
+          <p:cNvCxnSpPr>
+            <a:stCxn id="14" idx="3"/>
+            <a:endCxn id="13" idx="2"/>
+          </p:cNvCxnSpPr>
+          <p:nvPr/>
+        </p:nvCxnSpPr>
+        <p:spPr>
+          <a:xfrm flipV="1">
+            <a:off x="9815644" y="3421029"/>
+            <a:ext cx="957940" cy="294921"/>
+          </a:xfrm>
+          <a:prstGeom prst="straightConnector1">
+            <a:avLst/>
+          </a:prstGeom>
+          <a:ln w="38100">
+            <a:solidFill>
+              <a:schemeClr val="tx1"/>
+            </a:solidFill>
+            <a:tailEnd type="triangle"/>
+          </a:ln>
+        </p:spPr>
+        <p:style>
+          <a:lnRef idx="1">
+            <a:schemeClr val="accent1"/>
+          </a:lnRef>
+          <a:fillRef idx="0">
+            <a:schemeClr val="accent1"/>
+          </a:fillRef>
+          <a:effectRef idx="0">
+            <a:schemeClr val="accent1"/>
+          </a:effectRef>
+          <a:fontRef idx="minor">
+            <a:schemeClr val="tx1"/>
+          </a:fontRef>
+        </p:style>
+      </p:cxnSp>
+      <p:cxnSp>
+        <p:nvCxnSpPr>
+          <p:cNvPr id="57" name="Straight Arrow Connector 56"/>
+          <p:cNvCxnSpPr>
+            <a:stCxn id="49" idx="0"/>
+            <a:endCxn id="14" idx="2"/>
+          </p:cNvCxnSpPr>
+          <p:nvPr/>
+        </p:nvCxnSpPr>
+        <p:spPr>
+          <a:xfrm flipV="1">
+            <a:off x="8664626" y="3966793"/>
+            <a:ext cx="473108" cy="448341"/>
+          </a:xfrm>
+          <a:prstGeom prst="straightConnector1">
+            <a:avLst/>
+          </a:prstGeom>
+          <a:ln w="38100">
+            <a:solidFill>
+              <a:schemeClr val="tx1"/>
             </a:solidFill>
             <a:tailEnd type="triangle"/>
           </a:ln>

--- a/lectures/DJ-05-MVC.pptx
+++ b/lectures/DJ-05-MVC.pptx
@@ -207,7 +207,7 @@
           <a:p>
             <a:fld id="{C97B56FC-7D2E-F343-9D09-0D14B00AA564}" type="datetimeFigureOut">
               <a:rPr lang="en-US" smtClean="0"/>
-              <a:t>9/25/19</a:t>
+              <a:t>1/24/20</a:t>
             </a:fld>
             <a:endParaRPr lang="en-US"/>
           </a:p>
@@ -776,7 +776,7 @@
           <a:p>
             <a:fld id="{EEE7C04C-7AF8-1445-A186-502B631B934F}" type="datetimeFigureOut">
               <a:rPr lang="en-US" smtClean="0"/>
-              <a:t>9/25/19</a:t>
+              <a:t>1/24/20</a:t>
             </a:fld>
             <a:endParaRPr lang="en-US"/>
           </a:p>
@@ -941,7 +941,7 @@
           <a:p>
             <a:fld id="{EEE7C04C-7AF8-1445-A186-502B631B934F}" type="datetimeFigureOut">
               <a:rPr lang="en-US" smtClean="0"/>
-              <a:t>9/25/19</a:t>
+              <a:t>1/24/20</a:t>
             </a:fld>
             <a:endParaRPr lang="en-US"/>
           </a:p>
@@ -1116,7 +1116,7 @@
           <a:p>
             <a:fld id="{EEE7C04C-7AF8-1445-A186-502B631B934F}" type="datetimeFigureOut">
               <a:rPr lang="en-US" smtClean="0"/>
-              <a:t>9/25/19</a:t>
+              <a:t>1/24/20</a:t>
             </a:fld>
             <a:endParaRPr lang="en-US"/>
           </a:p>
@@ -1281,7 +1281,7 @@
           <a:p>
             <a:fld id="{EEE7C04C-7AF8-1445-A186-502B631B934F}" type="datetimeFigureOut">
               <a:rPr lang="en-US" smtClean="0"/>
-              <a:t>9/25/19</a:t>
+              <a:t>1/24/20</a:t>
             </a:fld>
             <a:endParaRPr lang="en-US"/>
           </a:p>
@@ -1522,7 +1522,7 @@
           <a:p>
             <a:fld id="{EEE7C04C-7AF8-1445-A186-502B631B934F}" type="datetimeFigureOut">
               <a:rPr lang="en-US" smtClean="0"/>
-              <a:t>9/25/19</a:t>
+              <a:t>1/24/20</a:t>
             </a:fld>
             <a:endParaRPr lang="en-US"/>
           </a:p>
@@ -1749,7 +1749,7 @@
           <a:p>
             <a:fld id="{EEE7C04C-7AF8-1445-A186-502B631B934F}" type="datetimeFigureOut">
               <a:rPr lang="en-US" smtClean="0"/>
-              <a:t>9/25/19</a:t>
+              <a:t>1/24/20</a:t>
             </a:fld>
             <a:endParaRPr lang="en-US"/>
           </a:p>
@@ -2111,7 +2111,7 @@
           <a:p>
             <a:fld id="{EEE7C04C-7AF8-1445-A186-502B631B934F}" type="datetimeFigureOut">
               <a:rPr lang="en-US" smtClean="0"/>
-              <a:t>9/25/19</a:t>
+              <a:t>1/24/20</a:t>
             </a:fld>
             <a:endParaRPr lang="en-US"/>
           </a:p>
@@ -2224,7 +2224,7 @@
           <a:p>
             <a:fld id="{EEE7C04C-7AF8-1445-A186-502B631B934F}" type="datetimeFigureOut">
               <a:rPr lang="en-US" smtClean="0"/>
-              <a:t>9/25/19</a:t>
+              <a:t>1/24/20</a:t>
             </a:fld>
             <a:endParaRPr lang="en-US"/>
           </a:p>
@@ -2314,7 +2314,7 @@
           <a:p>
             <a:fld id="{EEE7C04C-7AF8-1445-A186-502B631B934F}" type="datetimeFigureOut">
               <a:rPr lang="en-US" smtClean="0"/>
-              <a:t>9/25/19</a:t>
+              <a:t>1/24/20</a:t>
             </a:fld>
             <a:endParaRPr lang="en-US"/>
           </a:p>
@@ -2586,7 +2586,7 @@
           <a:p>
             <a:fld id="{EEE7C04C-7AF8-1445-A186-502B631B934F}" type="datetimeFigureOut">
               <a:rPr lang="en-US" smtClean="0"/>
-              <a:t>9/25/19</a:t>
+              <a:t>1/24/20</a:t>
             </a:fld>
             <a:endParaRPr lang="en-US"/>
           </a:p>
@@ -2838,7 +2838,7 @@
           <a:p>
             <a:fld id="{EEE7C04C-7AF8-1445-A186-502B631B934F}" type="datetimeFigureOut">
               <a:rPr lang="en-US" smtClean="0"/>
-              <a:t>9/25/19</a:t>
+              <a:t>1/24/20</a:t>
             </a:fld>
             <a:endParaRPr lang="en-US"/>
           </a:p>
@@ -3045,7 +3045,7 @@
           <a:p>
             <a:fld id="{EEE7C04C-7AF8-1445-A186-502B631B934F}" type="datetimeFigureOut">
               <a:rPr lang="en-US" smtClean="0"/>
-              <a:t>9/25/19</a:t>
+              <a:t>1/24/20</a:t>
             </a:fld>
             <a:endParaRPr lang="en-US"/>
           </a:p>
@@ -3463,10 +3463,10 @@
           <p:cNvPr id="10" name="Rectangle 9">
             <a:extLst>
               <a:ext uri="{FF2B5EF4-FFF2-40B4-BE49-F238E27FC236}">
-                <a16:creationId xmlns="" xmlns:a16="http://schemas.microsoft.com/office/drawing/2014/main" id="{E20EB187-900F-4AF5-813B-101456D9FD39}"/>
+                <a16:creationId xmlns:a16="http://schemas.microsoft.com/office/drawing/2014/main" xmlns="" id="{E20EB187-900F-4AF5-813B-101456D9FD39}"/>
               </a:ext>
               <a:ext uri="{C183D7F6-B498-43B3-948B-1728B52AA6E4}">
-                <adec:decorative xmlns="" xmlns:adec="http://schemas.microsoft.com/office/drawing/2017/decorative" val="1"/>
+                <adec:decorative xmlns:adec="http://schemas.microsoft.com/office/drawing/2017/decorative" xmlns="" val="1"/>
               </a:ext>
             </a:extLst>
           </p:cNvPr>
@@ -3609,10 +3609,10 @@
           <p:cNvPr id="12" name="Straight Connector 11">
             <a:extLst>
               <a:ext uri="{FF2B5EF4-FFF2-40B4-BE49-F238E27FC236}">
-                <a16:creationId xmlns="" xmlns:a16="http://schemas.microsoft.com/office/drawing/2014/main" id="{624D17C8-E9C2-48A4-AA36-D7048A6CCC41}"/>
+                <a16:creationId xmlns:a16="http://schemas.microsoft.com/office/drawing/2014/main" xmlns="" id="{624D17C8-E9C2-48A4-AA36-D7048A6CCC41}"/>
               </a:ext>
               <a:ext uri="{C183D7F6-B498-43B3-948B-1728B52AA6E4}">
-                <adec:decorative xmlns="" xmlns:adec="http://schemas.microsoft.com/office/drawing/2017/decorative" val="1"/>
+                <adec:decorative xmlns:adec="http://schemas.microsoft.com/office/drawing/2017/decorative" xmlns="" val="1"/>
               </a:ext>
             </a:extLst>
           </p:cNvPr>
@@ -3720,6 +3720,13 @@
   <p:clrMapOvr>
     <a:masterClrMapping/>
   </p:clrMapOvr>
+  <p:timing>
+    <p:tnLst>
+      <p:par>
+        <p:cTn id="1" dur="indefinite" restart="never" nodeType="tmRoot"/>
+      </p:par>
+    </p:tnLst>
+  </p:timing>
 </p:sld>
 </file>
 
@@ -3858,6 +3865,13 @@
   <p:clrMapOvr>
     <a:masterClrMapping/>
   </p:clrMapOvr>
+  <p:timing>
+    <p:tnLst>
+      <p:par>
+        <p:cTn id="1" dur="indefinite" restart="never" nodeType="tmRoot"/>
+      </p:par>
+    </p:tnLst>
+  </p:timing>
 </p:sld>
 </file>
 
@@ -6477,6 +6491,13 @@
   <p:clrMapOvr>
     <a:masterClrMapping/>
   </p:clrMapOvr>
+  <p:timing>
+    <p:tnLst>
+      <p:par>
+        <p:cTn id="1" dur="indefinite" restart="never" nodeType="tmRoot"/>
+      </p:par>
+    </p:tnLst>
+  </p:timing>
 </p:sld>
 </file>
 
@@ -8056,6 +8077,13 @@
   <p:clrMapOvr>
     <a:masterClrMapping/>
   </p:clrMapOvr>
+  <p:timing>
+    <p:tnLst>
+      <p:par>
+        <p:cTn id="1" dur="indefinite" restart="never" nodeType="tmRoot"/>
+      </p:par>
+    </p:tnLst>
+  </p:timing>
 </p:sld>
 </file>
 
@@ -8659,6 +8687,13 @@
   <p:clrMapOvr>
     <a:masterClrMapping/>
   </p:clrMapOvr>
+  <p:timing>
+    <p:tnLst>
+      <p:par>
+        <p:cTn id="1" dur="indefinite" restart="never" nodeType="tmRoot"/>
+      </p:par>
+    </p:tnLst>
+  </p:timing>
 </p:sld>
 </file>
 
@@ -9016,6 +9051,13 @@
   <p:clrMapOvr>
     <a:masterClrMapping/>
   </p:clrMapOvr>
+  <p:timing>
+    <p:tnLst>
+      <p:par>
+        <p:cTn id="1" dur="indefinite" restart="never" nodeType="tmRoot"/>
+      </p:par>
+    </p:tnLst>
+  </p:timing>
 </p:sld>
 </file>
 
@@ -11456,6 +11498,13 @@
   <p:clrMapOvr>
     <a:masterClrMapping/>
   </p:clrMapOvr>
+  <p:timing>
+    <p:tnLst>
+      <p:par>
+        <p:cTn id="1" dur="indefinite" restart="never" nodeType="tmRoot"/>
+      </p:par>
+    </p:tnLst>
+  </p:timing>
 </p:sld>
 </file>
 
@@ -11576,6 +11625,13 @@
   <p:clrMapOvr>
     <a:masterClrMapping/>
   </p:clrMapOvr>
+  <p:timing>
+    <p:tnLst>
+      <p:par>
+        <p:cTn id="1" dur="indefinite" restart="never" nodeType="tmRoot"/>
+      </p:par>
+    </p:tnLst>
+  </p:timing>
 </p:sld>
 </file>
 
@@ -14065,6 +14121,13 @@
   <p:clrMapOvr>
     <a:masterClrMapping/>
   </p:clrMapOvr>
+  <p:timing>
+    <p:tnLst>
+      <p:par>
+        <p:cTn id="1" dur="indefinite" restart="never" nodeType="tmRoot"/>
+      </p:par>
+    </p:tnLst>
+  </p:timing>
 </p:sld>
 </file>
 
@@ -14226,8 +14289,8 @@
           <a:p>
             <a:pPr algn="r"/>
             <a:r>
-              <a:rPr lang="en-US" dirty="0" err="1"/>
-              <a:t>DJango</a:t>
+              <a:rPr lang="en-US" smtClean="0"/>
+              <a:t>Django</a:t>
             </a:r>
             <a:endParaRPr lang="en-US" dirty="0"/>
           </a:p>
@@ -16089,6 +16152,13 @@
   <p:clrMapOvr>
     <a:masterClrMapping/>
   </p:clrMapOvr>
+  <p:timing>
+    <p:tnLst>
+      <p:par>
+        <p:cTn id="1" dur="indefinite" restart="never" nodeType="tmRoot"/>
+      </p:par>
+    </p:tnLst>
+  </p:timing>
 </p:sld>
 </file>
 

--- a/lectures/DJ-05-MVC.pptx
+++ b/lectures/DJ-05-MVC.pptx
@@ -256,7 +256,7 @@
       <p15:sldGuideLst xmlns:p15="http://schemas.microsoft.com/office/powerpoint/2012/main"/>
     </p:ext>
     <p:ext uri="http://customooxmlschemas.google.com/">
-      <go:slidesCustomData xmlns="" xmlns:mc="http://schemas.openxmlformats.org/markup-compatibility/2006" xmlns:mv="urn:schemas-microsoft-com:mac:vml" xmlns:c="http://schemas.openxmlformats.org/drawingml/2006/chart" xmlns:dgm="http://schemas.openxmlformats.org/drawingml/2006/diagram" xmlns:o="urn:schemas-microsoft-com:office:office" xmlns:v="urn:schemas-microsoft-com:vml" xmlns:pvml="urn:schemas-microsoft-com:office:powerpoint" xmlns:com="http://schemas.openxmlformats.org/drawingml/2006/compatibility" xmlns:p14="http://schemas.microsoft.com/office/powerpoint/2010/main" xmlns:p15="http://schemas.microsoft.com/office/powerpoint/2012/main" xmlns:go="http://customooxmlschemas.google.com/" r:id="rId22" roundtripDataSignature="AMtx7miOdmH7HdUky/1COpfO1AlvDxHN0Q=="/>
+      <go:slidesCustomData xmlns:go="http://customooxmlschemas.google.com/" xmlns:p15="http://schemas.microsoft.com/office/powerpoint/2012/main" xmlns:p14="http://schemas.microsoft.com/office/powerpoint/2010/main" xmlns:com="http://schemas.openxmlformats.org/drawingml/2006/compatibility" xmlns:pvml="urn:schemas-microsoft-com:office:powerpoint" xmlns:v="urn:schemas-microsoft-com:vml" xmlns:o="urn:schemas-microsoft-com:office:office" xmlns:dgm="http://schemas.openxmlformats.org/drawingml/2006/diagram" xmlns:c="http://schemas.openxmlformats.org/drawingml/2006/chart" xmlns:mv="urn:schemas-microsoft-com:mac:vml" xmlns:mc="http://schemas.openxmlformats.org/markup-compatibility/2006" xmlns="" r:id="rId22" roundtripDataSignature="AMtx7miOdmH7HdUky/1COpfO1AlvDxHN0Q=="/>
     </p:ext>
   </p:extLst>
 </p:presentation>
